--- a/January 2019 Entrepreneurship - Introduction.pptx
+++ b/January 2019 Entrepreneurship - Introduction.pptx
@@ -121,7 +121,7 @@
   </p:defaultTextStyle>
   <p:extLst>
     <p:ext uri="{EFAFB233-063F-42B5-8137-9DF3F51BA10A}">
-      <p15:sldGuideLst xmlns:p15="http://schemas.microsoft.com/office/powerpoint/2012/main">
+      <p15:sldGuideLst xmlns:p15="http://schemas.microsoft.com/office/powerpoint/2012/main" xmlns="">
         <p15:guide id="1" orient="horz" pos="2160">
           <p15:clr>
             <a:srgbClr val="A4A3A4"/>
@@ -1160,6 +1160,13 @@
     <dgm:pt modelId="{EBB32C19-198F-40ED-8F0B-9A874EB723DE}" type="pres">
       <dgm:prSet presAssocID="{A4E71CEE-A2A7-4F3F-AB10-F0599A3AE6B0}" presName="circ1" presStyleLbl="vennNode1" presStyleIdx="0" presStyleCnt="3" custScaleX="113138" custScaleY="107598" custLinFactNeighborY="-1964"/>
       <dgm:spPr/>
+      <dgm:t>
+        <a:bodyPr/>
+        <a:lstStyle/>
+        <a:p>
+          <a:endParaRPr lang="en-US"/>
+        </a:p>
+      </dgm:t>
     </dgm:pt>
     <dgm:pt modelId="{5C779F14-6D9E-4F32-8855-FC3BBB853C34}" type="pres">
       <dgm:prSet presAssocID="{A4E71CEE-A2A7-4F3F-AB10-F0599A3AE6B0}" presName="circ1Tx" presStyleLbl="revTx" presStyleIdx="0" presStyleCnt="0">
@@ -1170,10 +1177,24 @@
         </dgm:presLayoutVars>
       </dgm:prSet>
       <dgm:spPr/>
+      <dgm:t>
+        <a:bodyPr/>
+        <a:lstStyle/>
+        <a:p>
+          <a:endParaRPr lang="en-US"/>
+        </a:p>
+      </dgm:t>
     </dgm:pt>
     <dgm:pt modelId="{526DC5A4-CF65-492D-BEAD-896711296C2A}" type="pres">
       <dgm:prSet presAssocID="{6BDBB4DC-50D7-4CD0-B0D7-E5226F1E0F65}" presName="circ2" presStyleLbl="vennNode1" presStyleIdx="1" presStyleCnt="3" custScaleX="119676" custScaleY="112886"/>
       <dgm:spPr/>
+      <dgm:t>
+        <a:bodyPr/>
+        <a:lstStyle/>
+        <a:p>
+          <a:endParaRPr lang="en-US"/>
+        </a:p>
+      </dgm:t>
     </dgm:pt>
     <dgm:pt modelId="{E555DB4B-B5CD-40BD-94CE-0205CA62774F}" type="pres">
       <dgm:prSet presAssocID="{6BDBB4DC-50D7-4CD0-B0D7-E5226F1E0F65}" presName="circ2Tx" presStyleLbl="revTx" presStyleIdx="0" presStyleCnt="0">
@@ -1184,10 +1205,24 @@
         </dgm:presLayoutVars>
       </dgm:prSet>
       <dgm:spPr/>
+      <dgm:t>
+        <a:bodyPr/>
+        <a:lstStyle/>
+        <a:p>
+          <a:endParaRPr lang="en-US"/>
+        </a:p>
+      </dgm:t>
     </dgm:pt>
     <dgm:pt modelId="{970CDC77-12E7-4641-B621-4BCC68DDBF2A}" type="pres">
       <dgm:prSet presAssocID="{989D05AE-599B-4FE2-B6BD-08065F98ED21}" presName="circ3" presStyleLbl="vennNode1" presStyleIdx="2" presStyleCnt="3" custScaleX="119676" custScaleY="117800"/>
       <dgm:spPr/>
+      <dgm:t>
+        <a:bodyPr/>
+        <a:lstStyle/>
+        <a:p>
+          <a:endParaRPr lang="en-US"/>
+        </a:p>
+      </dgm:t>
     </dgm:pt>
     <dgm:pt modelId="{956825E6-EB86-4135-9EA9-837D22CCBE55}" type="pres">
       <dgm:prSet presAssocID="{989D05AE-599B-4FE2-B6BD-08065F98ED21}" presName="circ3Tx" presStyleLbl="revTx" presStyleIdx="0" presStyleCnt="0">
@@ -1198,19 +1233,26 @@
         </dgm:presLayoutVars>
       </dgm:prSet>
       <dgm:spPr/>
+      <dgm:t>
+        <a:bodyPr/>
+        <a:lstStyle/>
+        <a:p>
+          <a:endParaRPr lang="en-US"/>
+        </a:p>
+      </dgm:t>
     </dgm:pt>
   </dgm:ptLst>
   <dgm:cxnLst>
-    <dgm:cxn modelId="{455A3705-69CB-4D4B-9762-D78668319570}" type="presOf" srcId="{894D63E4-EEDE-4AF1-8FCF-64EA0D9F8815}" destId="{0B039336-D673-4D59-835D-4F78C55AECF3}" srcOrd="0" destOrd="0" presId="urn:microsoft.com/office/officeart/2005/8/layout/venn1"/>
+    <dgm:cxn modelId="{DE187162-6852-4FB7-9B32-1A269D3A1D94}" type="presOf" srcId="{A4E71CEE-A2A7-4F3F-AB10-F0599A3AE6B0}" destId="{EBB32C19-198F-40ED-8F0B-9A874EB723DE}" srcOrd="0" destOrd="0" presId="urn:microsoft.com/office/officeart/2005/8/layout/venn1"/>
+    <dgm:cxn modelId="{B9F171FE-0DF9-4727-A842-09B357ADB064}" srcId="{894D63E4-EEDE-4AF1-8FCF-64EA0D9F8815}" destId="{A4E71CEE-A2A7-4F3F-AB10-F0599A3AE6B0}" srcOrd="0" destOrd="0" parTransId="{013C71C6-2331-4020-9912-F37338CCADA9}" sibTransId="{71D76104-E96D-48DC-9CDC-42A3CEF17A35}"/>
     <dgm:cxn modelId="{7D4CE208-4F43-4122-8E6C-7D9ECC892699}" srcId="{894D63E4-EEDE-4AF1-8FCF-64EA0D9F8815}" destId="{989D05AE-599B-4FE2-B6BD-08065F98ED21}" srcOrd="2" destOrd="0" parTransId="{C3C56306-251D-41DB-ABDC-4C4B37C6FEBA}" sibTransId="{8601EA8E-92B8-4445-9D5D-26C13E23CB68}"/>
     <dgm:cxn modelId="{0658A40C-DD9D-4D0E-B305-74232D42C337}" srcId="{894D63E4-EEDE-4AF1-8FCF-64EA0D9F8815}" destId="{6BDBB4DC-50D7-4CD0-B0D7-E5226F1E0F65}" srcOrd="1" destOrd="0" parTransId="{1FE7F006-94B9-42AC-8174-DE5B03CDC940}" sibTransId="{D711C372-1E62-4308-A493-10BA118981B1}"/>
-    <dgm:cxn modelId="{21553A20-06D5-4DFD-9C8F-B82B3CBCFCFF}" type="presOf" srcId="{6BDBB4DC-50D7-4CD0-B0D7-E5226F1E0F65}" destId="{526DC5A4-CF65-492D-BEAD-896711296C2A}" srcOrd="0" destOrd="0" presId="urn:microsoft.com/office/officeart/2005/8/layout/venn1"/>
-    <dgm:cxn modelId="{DE187162-6852-4FB7-9B32-1A269D3A1D94}" type="presOf" srcId="{A4E71CEE-A2A7-4F3F-AB10-F0599A3AE6B0}" destId="{EBB32C19-198F-40ED-8F0B-9A874EB723DE}" srcOrd="0" destOrd="0" presId="urn:microsoft.com/office/officeart/2005/8/layout/venn1"/>
-    <dgm:cxn modelId="{5D8ACC49-D21C-4BDD-8B98-E75D9A25384B}" type="presOf" srcId="{A4E71CEE-A2A7-4F3F-AB10-F0599A3AE6B0}" destId="{5C779F14-6D9E-4F32-8855-FC3BBB853C34}" srcOrd="1" destOrd="0" presId="urn:microsoft.com/office/officeart/2005/8/layout/venn1"/>
     <dgm:cxn modelId="{D22E9973-D0FA-4ACE-8E17-242DFBBD81A9}" type="presOf" srcId="{989D05AE-599B-4FE2-B6BD-08065F98ED21}" destId="{956825E6-EB86-4135-9EA9-837D22CCBE55}" srcOrd="1" destOrd="0" presId="urn:microsoft.com/office/officeart/2005/8/layout/venn1"/>
     <dgm:cxn modelId="{671995AA-C8C5-4F68-9A81-44FC7F8981E7}" type="presOf" srcId="{6BDBB4DC-50D7-4CD0-B0D7-E5226F1E0F65}" destId="{E555DB4B-B5CD-40BD-94CE-0205CA62774F}" srcOrd="1" destOrd="0" presId="urn:microsoft.com/office/officeart/2005/8/layout/venn1"/>
     <dgm:cxn modelId="{3645A8EC-6179-460E-987F-B850671D7A3D}" type="presOf" srcId="{989D05AE-599B-4FE2-B6BD-08065F98ED21}" destId="{970CDC77-12E7-4641-B621-4BCC68DDBF2A}" srcOrd="0" destOrd="0" presId="urn:microsoft.com/office/officeart/2005/8/layout/venn1"/>
-    <dgm:cxn modelId="{B9F171FE-0DF9-4727-A842-09B357ADB064}" srcId="{894D63E4-EEDE-4AF1-8FCF-64EA0D9F8815}" destId="{A4E71CEE-A2A7-4F3F-AB10-F0599A3AE6B0}" srcOrd="0" destOrd="0" parTransId="{013C71C6-2331-4020-9912-F37338CCADA9}" sibTransId="{71D76104-E96D-48DC-9CDC-42A3CEF17A35}"/>
+    <dgm:cxn modelId="{455A3705-69CB-4D4B-9762-D78668319570}" type="presOf" srcId="{894D63E4-EEDE-4AF1-8FCF-64EA0D9F8815}" destId="{0B039336-D673-4D59-835D-4F78C55AECF3}" srcOrd="0" destOrd="0" presId="urn:microsoft.com/office/officeart/2005/8/layout/venn1"/>
+    <dgm:cxn modelId="{5D8ACC49-D21C-4BDD-8B98-E75D9A25384B}" type="presOf" srcId="{A4E71CEE-A2A7-4F3F-AB10-F0599A3AE6B0}" destId="{5C779F14-6D9E-4F32-8855-FC3BBB853C34}" srcOrd="1" destOrd="0" presId="urn:microsoft.com/office/officeart/2005/8/layout/venn1"/>
+    <dgm:cxn modelId="{21553A20-06D5-4DFD-9C8F-B82B3CBCFCFF}" type="presOf" srcId="{6BDBB4DC-50D7-4CD0-B0D7-E5226F1E0F65}" destId="{526DC5A4-CF65-492D-BEAD-896711296C2A}" srcOrd="0" destOrd="0" presId="urn:microsoft.com/office/officeart/2005/8/layout/venn1"/>
     <dgm:cxn modelId="{F03CB1D5-6646-4A5C-8044-F41108B4399E}" type="presParOf" srcId="{0B039336-D673-4D59-835D-4F78C55AECF3}" destId="{EBB32C19-198F-40ED-8F0B-9A874EB723DE}" srcOrd="0" destOrd="0" presId="urn:microsoft.com/office/officeart/2005/8/layout/venn1"/>
     <dgm:cxn modelId="{86C50209-CBD5-420B-A686-1AE801270F0E}" type="presParOf" srcId="{0B039336-D673-4D59-835D-4F78C55AECF3}" destId="{5C779F14-6D9E-4F32-8855-FC3BBB853C34}" srcOrd="1" destOrd="0" presId="urn:microsoft.com/office/officeart/2005/8/layout/venn1"/>
     <dgm:cxn modelId="{93D3E97C-32CF-4ADA-B0EA-8944F4CE9F46}" type="presParOf" srcId="{0B039336-D673-4D59-835D-4F78C55AECF3}" destId="{526DC5A4-CF65-492D-BEAD-896711296C2A}" srcOrd="2" destOrd="0" presId="urn:microsoft.com/office/officeart/2005/8/layout/venn1"/>
@@ -1222,7 +1264,7 @@
   <dgm:whole/>
   <dgm:extLst>
     <a:ext uri="http://schemas.microsoft.com/office/drawing/2008/diagram">
-      <dsp:dataModelExt xmlns:dsp="http://schemas.microsoft.com/office/drawing/2008/diagram" relId="rId6" minVer="http://schemas.openxmlformats.org/drawingml/2006/diagram"/>
+      <dsp:dataModelExt xmlns:dsp="http://schemas.microsoft.com/office/drawing/2008/diagram" xmlns="" relId="rId6" minVer="http://schemas.openxmlformats.org/drawingml/2006/diagram"/>
     </a:ext>
   </dgm:extLst>
 </dgm:dataModel>
@@ -3829,7 +3871,7 @@
             <a:fld id="{78EADBDC-FAB1-428D-BF00-94B089352307}" type="datetimeFigureOut">
               <a:rPr lang="en-US" smtClean="0"/>
               <a:pPr/>
-              <a:t>2/6/2019</a:t>
+              <a:t>3/7/2019</a:t>
             </a:fld>
             <a:endParaRPr lang="en-US"/>
           </a:p>
@@ -3999,7 +4041,7 @@
     </p:spTree>
     <p:extLst>
       <p:ext uri="{BB962C8B-B14F-4D97-AF65-F5344CB8AC3E}">
-        <p14:creationId xmlns:p14="http://schemas.microsoft.com/office/powerpoint/2010/main" val="3014861202"/>
+        <p14:creationId xmlns:p14="http://schemas.microsoft.com/office/powerpoint/2010/main" xmlns="" val="3014861202"/>
       </p:ext>
     </p:extLst>
   </p:cSld>
@@ -4326,7 +4368,7 @@
             <a:fld id="{5B610306-9207-42D9-BB10-7AAF4DB6C9EB}" type="datetimeFigureOut">
               <a:rPr lang="en-US" smtClean="0"/>
               <a:pPr/>
-              <a:t>2/6/2019</a:t>
+              <a:t>3/7/2019</a:t>
             </a:fld>
             <a:endParaRPr lang="en-US"/>
           </a:p>
@@ -4416,7 +4458,7 @@
     </p:spTree>
     <p:extLst>
       <p:ext uri="{BB962C8B-B14F-4D97-AF65-F5344CB8AC3E}">
-        <p14:creationId xmlns:p14="http://schemas.microsoft.com/office/powerpoint/2010/main" val="791855287"/>
+        <p14:creationId xmlns:p14="http://schemas.microsoft.com/office/powerpoint/2010/main" xmlns="" val="791855287"/>
       </p:ext>
     </p:extLst>
   </p:cSld>
@@ -4536,7 +4578,7 @@
             <a:fld id="{5B610306-9207-42D9-BB10-7AAF4DB6C9EB}" type="datetimeFigureOut">
               <a:rPr lang="en-US" smtClean="0"/>
               <a:pPr/>
-              <a:t>2/6/2019</a:t>
+              <a:t>3/7/2019</a:t>
             </a:fld>
             <a:endParaRPr lang="en-US"/>
           </a:p>
@@ -4588,7 +4630,7 @@
     </p:spTree>
     <p:extLst>
       <p:ext uri="{BB962C8B-B14F-4D97-AF65-F5344CB8AC3E}">
-        <p14:creationId xmlns:p14="http://schemas.microsoft.com/office/powerpoint/2010/main" val="1342519801"/>
+        <p14:creationId xmlns:p14="http://schemas.microsoft.com/office/powerpoint/2010/main" xmlns="" val="1342519801"/>
       </p:ext>
     </p:extLst>
   </p:cSld>
@@ -4794,7 +4836,7 @@
             <a:fld id="{5B610306-9207-42D9-BB10-7AAF4DB6C9EB}" type="datetimeFigureOut">
               <a:rPr lang="en-US" smtClean="0"/>
               <a:pPr/>
-              <a:t>2/6/2019</a:t>
+              <a:t>3/7/2019</a:t>
             </a:fld>
             <a:endParaRPr lang="en-US"/>
           </a:p>
@@ -4846,7 +4888,7 @@
     </p:spTree>
     <p:extLst>
       <p:ext uri="{BB962C8B-B14F-4D97-AF65-F5344CB8AC3E}">
-        <p14:creationId xmlns:p14="http://schemas.microsoft.com/office/powerpoint/2010/main" val="3593705890"/>
+        <p14:creationId xmlns:p14="http://schemas.microsoft.com/office/powerpoint/2010/main" xmlns="" val="3593705890"/>
       </p:ext>
     </p:extLst>
   </p:cSld>
@@ -4991,7 +5033,7 @@
             <a:fld id="{5B610306-9207-42D9-BB10-7AAF4DB6C9EB}" type="datetimeFigureOut">
               <a:rPr lang="en-US" smtClean="0"/>
               <a:pPr/>
-              <a:t>2/6/2019</a:t>
+              <a:t>3/7/2019</a:t>
             </a:fld>
             <a:endParaRPr lang="en-US"/>
           </a:p>
@@ -5043,7 +5085,7 @@
     </p:spTree>
     <p:extLst>
       <p:ext uri="{BB962C8B-B14F-4D97-AF65-F5344CB8AC3E}">
-        <p14:creationId xmlns:p14="http://schemas.microsoft.com/office/powerpoint/2010/main" val="2607465605"/>
+        <p14:creationId xmlns:p14="http://schemas.microsoft.com/office/powerpoint/2010/main" xmlns="" val="2607465605"/>
       </p:ext>
     </p:extLst>
   </p:cSld>
@@ -5336,7 +5378,7 @@
             <a:fld id="{5B610306-9207-42D9-BB10-7AAF4DB6C9EB}" type="datetimeFigureOut">
               <a:rPr lang="en-US" smtClean="0"/>
               <a:pPr/>
-              <a:t>2/6/2019</a:t>
+              <a:t>3/7/2019</a:t>
             </a:fld>
             <a:endParaRPr lang="en-US"/>
           </a:p>
@@ -5426,7 +5468,7 @@
     </p:spTree>
     <p:extLst>
       <p:ext uri="{BB962C8B-B14F-4D97-AF65-F5344CB8AC3E}">
-        <p14:creationId xmlns:p14="http://schemas.microsoft.com/office/powerpoint/2010/main" val="692409159"/>
+        <p14:creationId xmlns:p14="http://schemas.microsoft.com/office/powerpoint/2010/main" xmlns="" val="692409159"/>
       </p:ext>
     </p:extLst>
   </p:cSld>
@@ -5638,7 +5680,7 @@
             <a:fld id="{5B610306-9207-42D9-BB10-7AAF4DB6C9EB}" type="datetimeFigureOut">
               <a:rPr lang="en-US" smtClean="0"/>
               <a:pPr/>
-              <a:t>2/6/2019</a:t>
+              <a:t>3/7/2019</a:t>
             </a:fld>
             <a:endParaRPr lang="en-US"/>
           </a:p>
@@ -5690,7 +5732,7 @@
     </p:spTree>
     <p:extLst>
       <p:ext uri="{BB962C8B-B14F-4D97-AF65-F5344CB8AC3E}">
-        <p14:creationId xmlns:p14="http://schemas.microsoft.com/office/powerpoint/2010/main" val="2135104134"/>
+        <p14:creationId xmlns:p14="http://schemas.microsoft.com/office/powerpoint/2010/main" xmlns="" val="2135104134"/>
       </p:ext>
     </p:extLst>
   </p:cSld>
@@ -6019,7 +6061,7 @@
             <a:fld id="{5B610306-9207-42D9-BB10-7AAF4DB6C9EB}" type="datetimeFigureOut">
               <a:rPr lang="en-US" smtClean="0"/>
               <a:pPr/>
-              <a:t>2/6/2019</a:t>
+              <a:t>3/7/2019</a:t>
             </a:fld>
             <a:endParaRPr lang="en-US"/>
           </a:p>
@@ -6071,7 +6113,7 @@
     </p:spTree>
     <p:extLst>
       <p:ext uri="{BB962C8B-B14F-4D97-AF65-F5344CB8AC3E}">
-        <p14:creationId xmlns:p14="http://schemas.microsoft.com/office/powerpoint/2010/main" val="506566050"/>
+        <p14:creationId xmlns:p14="http://schemas.microsoft.com/office/powerpoint/2010/main" xmlns="" val="506566050"/>
       </p:ext>
     </p:extLst>
   </p:cSld>
@@ -6139,7 +6181,7 @@
             <a:fld id="{5B610306-9207-42D9-BB10-7AAF4DB6C9EB}" type="datetimeFigureOut">
               <a:rPr lang="en-US" smtClean="0"/>
               <a:pPr/>
-              <a:t>2/6/2019</a:t>
+              <a:t>3/7/2019</a:t>
             </a:fld>
             <a:endParaRPr lang="en-US"/>
           </a:p>
@@ -6191,7 +6233,7 @@
     </p:spTree>
     <p:extLst>
       <p:ext uri="{BB962C8B-B14F-4D97-AF65-F5344CB8AC3E}">
-        <p14:creationId xmlns:p14="http://schemas.microsoft.com/office/powerpoint/2010/main" val="2711339217"/>
+        <p14:creationId xmlns:p14="http://schemas.microsoft.com/office/powerpoint/2010/main" xmlns="" val="2711339217"/>
       </p:ext>
     </p:extLst>
   </p:cSld>
@@ -6312,7 +6354,7 @@
             <a:fld id="{5B610306-9207-42D9-BB10-7AAF4DB6C9EB}" type="datetimeFigureOut">
               <a:rPr lang="en-US" smtClean="0"/>
               <a:pPr/>
-              <a:t>2/6/2019</a:t>
+              <a:t>3/7/2019</a:t>
             </a:fld>
             <a:endParaRPr lang="en-US"/>
           </a:p>
@@ -6372,7 +6414,7 @@
     </p:spTree>
     <p:extLst>
       <p:ext uri="{BB962C8B-B14F-4D97-AF65-F5344CB8AC3E}">
-        <p14:creationId xmlns:p14="http://schemas.microsoft.com/office/powerpoint/2010/main" val="4171183272"/>
+        <p14:creationId xmlns:p14="http://schemas.microsoft.com/office/powerpoint/2010/main" xmlns="" val="4171183272"/>
       </p:ext>
     </p:extLst>
   </p:cSld>
@@ -6668,7 +6710,7 @@
             <a:fld id="{5B610306-9207-42D9-BB10-7AAF4DB6C9EB}" type="datetimeFigureOut">
               <a:rPr lang="en-US" smtClean="0"/>
               <a:pPr/>
-              <a:t>2/6/2019</a:t>
+              <a:t>3/7/2019</a:t>
             </a:fld>
             <a:endParaRPr lang="en-US"/>
           </a:p>
@@ -6741,7 +6783,7 @@
     </p:spTree>
     <p:extLst>
       <p:ext uri="{BB962C8B-B14F-4D97-AF65-F5344CB8AC3E}">
-        <p14:creationId xmlns:p14="http://schemas.microsoft.com/office/powerpoint/2010/main" val="2666182246"/>
+        <p14:creationId xmlns:p14="http://schemas.microsoft.com/office/powerpoint/2010/main" xmlns="" val="2666182246"/>
       </p:ext>
     </p:extLst>
   </p:cSld>
@@ -7052,7 +7094,7 @@
             <a:fld id="{5B610306-9207-42D9-BB10-7AAF4DB6C9EB}" type="datetimeFigureOut">
               <a:rPr lang="en-US" smtClean="0"/>
               <a:pPr/>
-              <a:t>2/6/2019</a:t>
+              <a:t>3/7/2019</a:t>
             </a:fld>
             <a:endParaRPr lang="en-US"/>
           </a:p>
@@ -7104,7 +7146,7 @@
     </p:spTree>
     <p:extLst>
       <p:ext uri="{BB962C8B-B14F-4D97-AF65-F5344CB8AC3E}">
-        <p14:creationId xmlns:p14="http://schemas.microsoft.com/office/powerpoint/2010/main" val="1049594761"/>
+        <p14:creationId xmlns:p14="http://schemas.microsoft.com/office/powerpoint/2010/main" xmlns="" val="1049594761"/>
       </p:ext>
     </p:extLst>
   </p:cSld>
@@ -7341,7 +7383,7 @@
             <a:fld id="{5B610306-9207-42D9-BB10-7AAF4DB6C9EB}" type="datetimeFigureOut">
               <a:rPr lang="en-US" smtClean="0"/>
               <a:pPr/>
-              <a:t>2/6/2019</a:t>
+              <a:t>3/7/2019</a:t>
             </a:fld>
             <a:endParaRPr lang="en-US"/>
           </a:p>
@@ -7463,7 +7505,7 @@
     </p:spTree>
     <p:extLst>
       <p:ext uri="{BB962C8B-B14F-4D97-AF65-F5344CB8AC3E}">
-        <p14:creationId xmlns:p14="http://schemas.microsoft.com/office/powerpoint/2010/main" val="2891231202"/>
+        <p14:creationId xmlns:p14="http://schemas.microsoft.com/office/powerpoint/2010/main" xmlns="" val="2891231202"/>
       </p:ext>
     </p:extLst>
   </p:cSld>
@@ -8838,7 +8880,7 @@
     </p:spTree>
     <p:extLst>
       <p:ext uri="{BB962C8B-B14F-4D97-AF65-F5344CB8AC3E}">
-        <p14:creationId xmlns:p14="http://schemas.microsoft.com/office/powerpoint/2010/main" val="822222944"/>
+        <p14:creationId xmlns:p14="http://schemas.microsoft.com/office/powerpoint/2010/main" xmlns="" val="822222944"/>
       </p:ext>
     </p:extLst>
   </p:cSld>
@@ -8935,7 +8977,7 @@
     </p:spTree>
     <p:extLst>
       <p:ext uri="{BB962C8B-B14F-4D97-AF65-F5344CB8AC3E}">
-        <p14:creationId xmlns:p14="http://schemas.microsoft.com/office/powerpoint/2010/main" val="450236276"/>
+        <p14:creationId xmlns:p14="http://schemas.microsoft.com/office/powerpoint/2010/main" xmlns="" val="450236276"/>
       </p:ext>
     </p:extLst>
   </p:cSld>
@@ -10188,7 +10230,7 @@
     </p:spTree>
     <p:extLst>
       <p:ext uri="{BB962C8B-B14F-4D97-AF65-F5344CB8AC3E}">
-        <p14:creationId xmlns:p14="http://schemas.microsoft.com/office/powerpoint/2010/main" val="3181986594"/>
+        <p14:creationId xmlns:p14="http://schemas.microsoft.com/office/powerpoint/2010/main" xmlns="" val="3181986594"/>
       </p:ext>
     </p:extLst>
   </p:cSld>
@@ -10246,7 +10288,7 @@
           <p:nvPr>
             <p:extLst>
               <p:ext uri="{D42A27DB-BD31-4B8C-83A1-F6EECF244321}">
-                <p14:modId xmlns:p14="http://schemas.microsoft.com/office/powerpoint/2010/main" val="3162239137"/>
+                <p14:modId xmlns:p14="http://schemas.microsoft.com/office/powerpoint/2010/main" xmlns="" val="3162239137"/>
               </p:ext>
             </p:extLst>
           </p:nvPr>
@@ -10319,7 +10361,7 @@
     </p:spTree>
     <p:extLst>
       <p:ext uri="{BB962C8B-B14F-4D97-AF65-F5344CB8AC3E}">
-        <p14:creationId xmlns:p14="http://schemas.microsoft.com/office/powerpoint/2010/main" val="755725261"/>
+        <p14:creationId xmlns:p14="http://schemas.microsoft.com/office/powerpoint/2010/main" xmlns="" val="755725261"/>
       </p:ext>
     </p:extLst>
   </p:cSld>
@@ -11183,7 +11225,7 @@
     </p:spTree>
     <p:extLst>
       <p:ext uri="{BB962C8B-B14F-4D97-AF65-F5344CB8AC3E}">
-        <p14:creationId xmlns:p14="http://schemas.microsoft.com/office/powerpoint/2010/main" val="2282900604"/>
+        <p14:creationId xmlns:p14="http://schemas.microsoft.com/office/powerpoint/2010/main" xmlns="" val="2282900604"/>
       </p:ext>
     </p:extLst>
   </p:cSld>
@@ -11236,7 +11278,7 @@
     </a:clrScheme>
     <a:fontScheme name="Garamond-Trebuchet MS">
       <a:majorFont>
-        <a:latin typeface="Garamond" panose="02020404030301010803"/>
+        <a:latin typeface="Garamond"/>
         <a:ea typeface=""/>
         <a:cs typeface=""/>
         <a:font script="Jpan" typeface="ＭＳ Ｐゴシック"/>
@@ -11271,7 +11313,7 @@
         <a:font script="Geor" typeface="Sylfaen"/>
       </a:majorFont>
       <a:minorFont>
-        <a:latin typeface="Trebuchet MS" panose="020B0603020202020204"/>
+        <a:latin typeface="Trebuchet MS"/>
         <a:ea typeface=""/>
         <a:cs typeface=""/>
         <a:font script="Jpan" typeface="HGｺﾞｼｯｸM"/>
@@ -11470,7 +11512,7 @@
   <a:extraClrSchemeLst/>
   <a:extLst>
     <a:ext uri="{05A4C25C-085E-4340-85A3-A5531E510DB2}">
-      <thm15:themeFamily xmlns:thm15="http://schemas.microsoft.com/office/thememl/2012/main" name="Retrospect" id="{5F128B03-DCCA-4EEB-AB3B-CF2899314A46}" vid="{3F1AAB62-24C6-49D2-8E01-B56FAC9A3DCD}"/>
+      <thm15:themeFamily xmlns:thm15="http://schemas.microsoft.com/office/thememl/2012/main" xmlns="" name="Retrospect" id="{5F128B03-DCCA-4EEB-AB3B-CF2899314A46}" vid="{3F1AAB62-24C6-49D2-8E01-B56FAC9A3DCD}"/>
     </a:ext>
   </a:extLst>
 </a:theme>
